--- a/Game Bot.pptx
+++ b/Game Bot.pptx
@@ -14,11 +14,13 @@
     <p:sldId id="261" r:id="rId8"/>
     <p:sldId id="262" r:id="rId9"/>
     <p:sldId id="263" r:id="rId10"/>
-    <p:sldId id="265" r:id="rId11"/>
-    <p:sldId id="266" r:id="rId12"/>
-    <p:sldId id="267" r:id="rId13"/>
-    <p:sldId id="268" r:id="rId14"/>
-    <p:sldId id="269" r:id="rId15"/>
+    <p:sldId id="270" r:id="rId11"/>
+    <p:sldId id="265" r:id="rId12"/>
+    <p:sldId id="266" r:id="rId13"/>
+    <p:sldId id="267" r:id="rId14"/>
+    <p:sldId id="268" r:id="rId15"/>
+    <p:sldId id="269" r:id="rId16"/>
+    <p:sldId id="271" r:id="rId17"/>
   </p:sldIdLst>
   <p:sldSz cx="12192000" cy="6858000"/>
   <p:notesSz cx="6858000" cy="9144000"/>
@@ -6041,6 +6043,691 @@
         </p:nvSpPr>
         <p:spPr>
           <a:xfrm>
+            <a:off x="685800" y="687099"/>
+            <a:ext cx="8610600" cy="1293028"/>
+          </a:xfrm>
+        </p:spPr>
+        <p:txBody>
+          <a:bodyPr/>
+          <a:lstStyle/>
+          <a:p>
+            <a:pPr algn="l"/>
+            <a:r>
+              <a:rPr lang="en-GB" b="1" dirty="0" smtClean="0"/>
+              <a:t>Pattern Recognition</a:t>
+            </a:r>
+            <a:endParaRPr lang="en-GB" b="1" dirty="0"/>
+          </a:p>
+        </p:txBody>
+      </p:sp>
+      <p:pic>
+        <p:nvPicPr>
+          <p:cNvPr id="4" name="Content Placeholder 3"/>
+          <p:cNvPicPr>
+            <a:picLocks noGrp="1" noChangeAspect="1"/>
+          </p:cNvPicPr>
+          <p:nvPr>
+            <p:ph idx="1"/>
+          </p:nvPr>
+        </p:nvPicPr>
+        <p:blipFill>
+          <a:blip r:embed="rId2">
+            <a:extLst>
+              <a:ext uri="{28A0092B-C50C-407E-A947-70E740481C1C}">
+                <a14:useLocalDpi xmlns:a14="http://schemas.microsoft.com/office/drawing/2010/main" val="0"/>
+              </a:ext>
+            </a:extLst>
+          </a:blip>
+          <a:stretch>
+            <a:fillRect/>
+          </a:stretch>
+        </p:blipFill>
+        <p:spPr>
+          <a:xfrm>
+            <a:off x="296215" y="4028697"/>
+            <a:ext cx="11549225" cy="1058296"/>
+          </a:xfrm>
+        </p:spPr>
+      </p:pic>
+      <p:sp>
+        <p:nvSpPr>
+          <p:cNvPr id="5" name="Title 1"/>
+          <p:cNvSpPr txBox="1">
+            <a:spLocks/>
+          </p:cNvSpPr>
+          <p:nvPr/>
+        </p:nvSpPr>
+        <p:spPr>
+          <a:xfrm>
+            <a:off x="685800" y="1980127"/>
+            <a:ext cx="8610600" cy="1293028"/>
+          </a:xfrm>
+          <a:prstGeom prst="rect">
+            <a:avLst/>
+          </a:prstGeom>
+        </p:spPr>
+        <p:txBody>
+          <a:bodyPr vert="horz" lIns="91440" tIns="45720" rIns="91440" bIns="45720" rtlCol="0" anchor="ctr">
+            <a:normAutofit/>
+          </a:bodyPr>
+          <a:lstStyle>
+            <a:lvl1pPr algn="r" defTabSz="914400" rtl="0" eaLnBrk="1" latinLnBrk="0" hangingPunct="1">
+              <a:lnSpc>
+                <a:spcPct val="90000"/>
+              </a:lnSpc>
+              <a:spcBef>
+                <a:spcPct val="0"/>
+              </a:spcBef>
+              <a:buNone/>
+              <a:defRPr sz="4000" kern="1200" cap="all" baseline="0">
+                <a:solidFill>
+                  <a:schemeClr val="tx1"/>
+                </a:solidFill>
+                <a:latin typeface="+mj-lt"/>
+                <a:ea typeface="+mj-ea"/>
+                <a:cs typeface="+mj-cs"/>
+              </a:defRPr>
+            </a:lvl1pPr>
+          </a:lstStyle>
+          <a:p>
+            <a:pPr marL="457200" indent="-457200" algn="l">
+              <a:buFont typeface="Arial" panose="020B0604020202020204" pitchFamily="34" charset="0"/>
+              <a:buChar char="•"/>
+            </a:pPr>
+            <a:endParaRPr lang="en-GB" sz="2400" dirty="0">
+              <a:latin typeface="Arial" panose="020B0604020202020204" pitchFamily="34" charset="0"/>
+              <a:cs typeface="Arial" panose="020B0604020202020204" pitchFamily="34" charset="0"/>
+            </a:endParaRPr>
+          </a:p>
+        </p:txBody>
+      </p:sp>
+      <p:sp>
+        <p:nvSpPr>
+          <p:cNvPr id="6" name="Content Placeholder 2"/>
+          <p:cNvSpPr txBox="1">
+            <a:spLocks/>
+          </p:cNvSpPr>
+          <p:nvPr/>
+        </p:nvSpPr>
+        <p:spPr>
+          <a:xfrm>
+            <a:off x="685800" y="1980127"/>
+            <a:ext cx="10820400" cy="4024125"/>
+          </a:xfrm>
+          <a:prstGeom prst="rect">
+            <a:avLst/>
+          </a:prstGeom>
+        </p:spPr>
+        <p:txBody>
+          <a:bodyPr vert="horz" lIns="91440" tIns="45720" rIns="91440" bIns="45720" rtlCol="0">
+            <a:normAutofit/>
+          </a:bodyPr>
+          <a:lstStyle>
+            <a:lvl1pPr marL="228600" indent="-228600" algn="l" defTabSz="914400" rtl="0" eaLnBrk="1" latinLnBrk="0" hangingPunct="1">
+              <a:lnSpc>
+                <a:spcPct val="90000"/>
+              </a:lnSpc>
+              <a:spcBef>
+                <a:spcPts val="1000"/>
+              </a:spcBef>
+              <a:buFont typeface="Arial" panose="020B0604020202020204" pitchFamily="34" charset="0"/>
+              <a:buChar char="•"/>
+              <a:defRPr sz="2200" kern="1200">
+                <a:solidFill>
+                  <a:schemeClr val="tx1"/>
+                </a:solidFill>
+                <a:latin typeface="+mn-lt"/>
+                <a:ea typeface="+mn-ea"/>
+                <a:cs typeface="+mn-cs"/>
+              </a:defRPr>
+            </a:lvl1pPr>
+            <a:lvl2pPr marL="685800" indent="-228600" algn="l" defTabSz="914400" rtl="0" eaLnBrk="1" latinLnBrk="0" hangingPunct="1">
+              <a:lnSpc>
+                <a:spcPct val="90000"/>
+              </a:lnSpc>
+              <a:spcBef>
+                <a:spcPts val="500"/>
+              </a:spcBef>
+              <a:buFont typeface="Arial" panose="020B0604020202020204" pitchFamily="34" charset="0"/>
+              <a:buChar char="•"/>
+              <a:defRPr sz="2000" kern="1200">
+                <a:solidFill>
+                  <a:schemeClr val="tx1"/>
+                </a:solidFill>
+                <a:latin typeface="+mn-lt"/>
+                <a:ea typeface="+mn-ea"/>
+                <a:cs typeface="+mn-cs"/>
+              </a:defRPr>
+            </a:lvl2pPr>
+            <a:lvl3pPr marL="1143000" indent="-228600" algn="l" defTabSz="914400" rtl="0" eaLnBrk="1" latinLnBrk="0" hangingPunct="1">
+              <a:lnSpc>
+                <a:spcPct val="90000"/>
+              </a:lnSpc>
+              <a:spcBef>
+                <a:spcPts val="500"/>
+              </a:spcBef>
+              <a:buFont typeface="Arial" panose="020B0604020202020204" pitchFamily="34" charset="0"/>
+              <a:buChar char="•"/>
+              <a:defRPr sz="1800" kern="1200">
+                <a:solidFill>
+                  <a:schemeClr val="tx1"/>
+                </a:solidFill>
+                <a:latin typeface="+mn-lt"/>
+                <a:ea typeface="+mn-ea"/>
+                <a:cs typeface="+mn-cs"/>
+              </a:defRPr>
+            </a:lvl3pPr>
+            <a:lvl4pPr marL="1600200" indent="-228600" algn="l" defTabSz="914400" rtl="0" eaLnBrk="1" latinLnBrk="0" hangingPunct="1">
+              <a:lnSpc>
+                <a:spcPct val="90000"/>
+              </a:lnSpc>
+              <a:spcBef>
+                <a:spcPts val="500"/>
+              </a:spcBef>
+              <a:buFont typeface="Arial" panose="020B0604020202020204" pitchFamily="34" charset="0"/>
+              <a:buChar char="•"/>
+              <a:defRPr sz="1600" kern="1200">
+                <a:solidFill>
+                  <a:schemeClr val="tx1"/>
+                </a:solidFill>
+                <a:latin typeface="+mn-lt"/>
+                <a:ea typeface="+mn-ea"/>
+                <a:cs typeface="+mn-cs"/>
+              </a:defRPr>
+            </a:lvl4pPr>
+            <a:lvl5pPr marL="2057400" indent="-228600" algn="l" defTabSz="914400" rtl="0" eaLnBrk="1" latinLnBrk="0" hangingPunct="1">
+              <a:lnSpc>
+                <a:spcPct val="90000"/>
+              </a:lnSpc>
+              <a:spcBef>
+                <a:spcPts val="500"/>
+              </a:spcBef>
+              <a:buFont typeface="Arial" panose="020B0604020202020204" pitchFamily="34" charset="0"/>
+              <a:buChar char="•"/>
+              <a:defRPr sz="1600" kern="1200">
+                <a:solidFill>
+                  <a:schemeClr val="tx1"/>
+                </a:solidFill>
+                <a:latin typeface="+mn-lt"/>
+                <a:ea typeface="+mn-ea"/>
+                <a:cs typeface="+mn-cs"/>
+              </a:defRPr>
+            </a:lvl5pPr>
+            <a:lvl6pPr marL="2514600" indent="-228600" algn="l" defTabSz="914400" rtl="0" eaLnBrk="1" latinLnBrk="0" hangingPunct="1">
+              <a:lnSpc>
+                <a:spcPct val="90000"/>
+              </a:lnSpc>
+              <a:spcBef>
+                <a:spcPts val="500"/>
+              </a:spcBef>
+              <a:buFont typeface="Arial" panose="020B0604020202020204" pitchFamily="34" charset="0"/>
+              <a:buChar char="•"/>
+              <a:defRPr sz="1600" kern="1200">
+                <a:solidFill>
+                  <a:schemeClr val="tx1"/>
+                </a:solidFill>
+                <a:latin typeface="+mn-lt"/>
+                <a:ea typeface="+mn-ea"/>
+                <a:cs typeface="+mn-cs"/>
+              </a:defRPr>
+            </a:lvl6pPr>
+            <a:lvl7pPr marL="2971800" indent="-228600" algn="l" defTabSz="914400" rtl="0" eaLnBrk="1" latinLnBrk="0" hangingPunct="1">
+              <a:lnSpc>
+                <a:spcPct val="90000"/>
+              </a:lnSpc>
+              <a:spcBef>
+                <a:spcPts val="500"/>
+              </a:spcBef>
+              <a:buFont typeface="Arial" panose="020B0604020202020204" pitchFamily="34" charset="0"/>
+              <a:buChar char="•"/>
+              <a:defRPr sz="1600" kern="1200">
+                <a:solidFill>
+                  <a:schemeClr val="tx1"/>
+                </a:solidFill>
+                <a:latin typeface="+mn-lt"/>
+                <a:ea typeface="+mn-ea"/>
+                <a:cs typeface="+mn-cs"/>
+              </a:defRPr>
+            </a:lvl7pPr>
+            <a:lvl8pPr marL="3429000" indent="-228600" algn="l" defTabSz="914400" rtl="0" eaLnBrk="1" latinLnBrk="0" hangingPunct="1">
+              <a:lnSpc>
+                <a:spcPct val="90000"/>
+              </a:lnSpc>
+              <a:spcBef>
+                <a:spcPts val="500"/>
+              </a:spcBef>
+              <a:buFont typeface="Arial" panose="020B0604020202020204" pitchFamily="34" charset="0"/>
+              <a:buChar char="•"/>
+              <a:defRPr sz="1600" kern="1200">
+                <a:solidFill>
+                  <a:schemeClr val="tx1"/>
+                </a:solidFill>
+                <a:latin typeface="+mn-lt"/>
+                <a:ea typeface="+mn-ea"/>
+                <a:cs typeface="+mn-cs"/>
+              </a:defRPr>
+            </a:lvl8pPr>
+            <a:lvl9pPr marL="3886200" indent="-228600" algn="l" defTabSz="914400" rtl="0" eaLnBrk="1" latinLnBrk="0" hangingPunct="1">
+              <a:lnSpc>
+                <a:spcPct val="90000"/>
+              </a:lnSpc>
+              <a:spcBef>
+                <a:spcPts val="500"/>
+              </a:spcBef>
+              <a:buFont typeface="Arial" panose="020B0604020202020204" pitchFamily="34" charset="0"/>
+              <a:buChar char="•"/>
+              <a:defRPr sz="1600" kern="1200">
+                <a:solidFill>
+                  <a:schemeClr val="tx1"/>
+                </a:solidFill>
+                <a:latin typeface="+mn-lt"/>
+                <a:ea typeface="+mn-ea"/>
+                <a:cs typeface="+mn-cs"/>
+              </a:defRPr>
+            </a:lvl9pPr>
+          </a:lstStyle>
+          <a:p>
+            <a:r>
+              <a:rPr lang="en-GB" sz="2800" dirty="0" smtClean="0"/>
+              <a:t>The Pixel is converted into number using RGBA colour Scheme.</a:t>
+            </a:r>
+          </a:p>
+          <a:p>
+            <a:r>
+              <a:rPr lang="en-GB" sz="2800" dirty="0" smtClean="0"/>
+              <a:t>RGBA Stands for (Red Green Blue Alpha).</a:t>
+            </a:r>
+            <a:endParaRPr lang="en-GB" sz="2800" dirty="0"/>
+          </a:p>
+        </p:txBody>
+      </p:sp>
+    </p:spTree>
+    <p:extLst>
+      <p:ext uri="{BB962C8B-B14F-4D97-AF65-F5344CB8AC3E}">
+        <p14:creationId xmlns:p14="http://schemas.microsoft.com/office/powerpoint/2010/main" val="1866960727"/>
+      </p:ext>
+    </p:extLst>
+  </p:cSld>
+  <p:clrMapOvr>
+    <a:masterClrMapping/>
+  </p:clrMapOvr>
+  <p:timing>
+    <p:tnLst>
+      <p:par>
+        <p:cTn id="1" dur="indefinite" restart="never" nodeType="tmRoot">
+          <p:childTnLst>
+            <p:seq concurrent="1" nextAc="seek">
+              <p:cTn id="2" dur="indefinite" nodeType="mainSeq">
+                <p:childTnLst>
+                  <p:par>
+                    <p:cTn id="3" fill="hold">
+                      <p:stCondLst>
+                        <p:cond delay="indefinite"/>
+                      </p:stCondLst>
+                      <p:childTnLst>
+                        <p:par>
+                          <p:cTn id="4" fill="hold">
+                            <p:stCondLst>
+                              <p:cond delay="0"/>
+                            </p:stCondLst>
+                            <p:childTnLst>
+                              <p:par>
+                                <p:cTn id="5" presetID="2" presetClass="entr" presetSubtype="4" fill="hold" grpId="0" nodeType="clickEffect">
+                                  <p:stCondLst>
+                                    <p:cond delay="0"/>
+                                  </p:stCondLst>
+                                  <p:childTnLst>
+                                    <p:set>
+                                      <p:cBhvr>
+                                        <p:cTn id="6" dur="1" fill="hold">
+                                          <p:stCondLst>
+                                            <p:cond delay="0"/>
+                                          </p:stCondLst>
+                                        </p:cTn>
+                                        <p:tgtEl>
+                                          <p:spTgt spid="2"/>
+                                        </p:tgtEl>
+                                        <p:attrNameLst>
+                                          <p:attrName>style.visibility</p:attrName>
+                                        </p:attrNameLst>
+                                      </p:cBhvr>
+                                      <p:to>
+                                        <p:strVal val="visible"/>
+                                      </p:to>
+                                    </p:set>
+                                    <p:anim calcmode="lin" valueType="num">
+                                      <p:cBhvr additive="base">
+                                        <p:cTn id="7" dur="500" fill="hold"/>
+                                        <p:tgtEl>
+                                          <p:spTgt spid="2"/>
+                                        </p:tgtEl>
+                                        <p:attrNameLst>
+                                          <p:attrName>ppt_x</p:attrName>
+                                        </p:attrNameLst>
+                                      </p:cBhvr>
+                                      <p:tavLst>
+                                        <p:tav tm="0">
+                                          <p:val>
+                                            <p:strVal val="#ppt_x"/>
+                                          </p:val>
+                                        </p:tav>
+                                        <p:tav tm="100000">
+                                          <p:val>
+                                            <p:strVal val="#ppt_x"/>
+                                          </p:val>
+                                        </p:tav>
+                                      </p:tavLst>
+                                    </p:anim>
+                                    <p:anim calcmode="lin" valueType="num">
+                                      <p:cBhvr additive="base">
+                                        <p:cTn id="8" dur="500" fill="hold"/>
+                                        <p:tgtEl>
+                                          <p:spTgt spid="2"/>
+                                        </p:tgtEl>
+                                        <p:attrNameLst>
+                                          <p:attrName>ppt_y</p:attrName>
+                                        </p:attrNameLst>
+                                      </p:cBhvr>
+                                      <p:tavLst>
+                                        <p:tav tm="0">
+                                          <p:val>
+                                            <p:strVal val="1+#ppt_h/2"/>
+                                          </p:val>
+                                        </p:tav>
+                                        <p:tav tm="100000">
+                                          <p:val>
+                                            <p:strVal val="#ppt_y"/>
+                                          </p:val>
+                                        </p:tav>
+                                      </p:tavLst>
+                                    </p:anim>
+                                  </p:childTnLst>
+                                </p:cTn>
+                              </p:par>
+                            </p:childTnLst>
+                          </p:cTn>
+                        </p:par>
+                      </p:childTnLst>
+                    </p:cTn>
+                  </p:par>
+                  <p:par>
+                    <p:cTn id="9" fill="hold">
+                      <p:stCondLst>
+                        <p:cond delay="indefinite"/>
+                      </p:stCondLst>
+                      <p:childTnLst>
+                        <p:par>
+                          <p:cTn id="10" fill="hold">
+                            <p:stCondLst>
+                              <p:cond delay="0"/>
+                            </p:stCondLst>
+                            <p:childTnLst>
+                              <p:par>
+                                <p:cTn id="11" presetID="5" presetClass="entr" presetSubtype="10" fill="hold" nodeType="clickEffect">
+                                  <p:stCondLst>
+                                    <p:cond delay="0"/>
+                                  </p:stCondLst>
+                                  <p:childTnLst>
+                                    <p:set>
+                                      <p:cBhvr>
+                                        <p:cTn id="12" dur="1" fill="hold">
+                                          <p:stCondLst>
+                                            <p:cond delay="0"/>
+                                          </p:stCondLst>
+                                        </p:cTn>
+                                        <p:tgtEl>
+                                          <p:spTgt spid="6">
+                                            <p:txEl>
+                                              <p:pRg st="0" end="0"/>
+                                            </p:txEl>
+                                          </p:spTgt>
+                                        </p:tgtEl>
+                                        <p:attrNameLst>
+                                          <p:attrName>style.visibility</p:attrName>
+                                        </p:attrNameLst>
+                                      </p:cBhvr>
+                                      <p:to>
+                                        <p:strVal val="visible"/>
+                                      </p:to>
+                                    </p:set>
+                                    <p:animEffect transition="in" filter="checkerboard(across)">
+                                      <p:cBhvr>
+                                        <p:cTn id="13" dur="500"/>
+                                        <p:tgtEl>
+                                          <p:spTgt spid="6">
+                                            <p:txEl>
+                                              <p:pRg st="0" end="0"/>
+                                            </p:txEl>
+                                          </p:spTgt>
+                                        </p:tgtEl>
+                                      </p:cBhvr>
+                                    </p:animEffect>
+                                  </p:childTnLst>
+                                </p:cTn>
+                              </p:par>
+                            </p:childTnLst>
+                          </p:cTn>
+                        </p:par>
+                      </p:childTnLst>
+                    </p:cTn>
+                  </p:par>
+                  <p:par>
+                    <p:cTn id="14" fill="hold">
+                      <p:stCondLst>
+                        <p:cond delay="indefinite"/>
+                      </p:stCondLst>
+                      <p:childTnLst>
+                        <p:par>
+                          <p:cTn id="15" fill="hold">
+                            <p:stCondLst>
+                              <p:cond delay="0"/>
+                            </p:stCondLst>
+                            <p:childTnLst>
+                              <p:par>
+                                <p:cTn id="16" presetID="5" presetClass="entr" presetSubtype="10" fill="hold" nodeType="clickEffect">
+                                  <p:stCondLst>
+                                    <p:cond delay="0"/>
+                                  </p:stCondLst>
+                                  <p:childTnLst>
+                                    <p:set>
+                                      <p:cBhvr>
+                                        <p:cTn id="17" dur="1" fill="hold">
+                                          <p:stCondLst>
+                                            <p:cond delay="0"/>
+                                          </p:stCondLst>
+                                        </p:cTn>
+                                        <p:tgtEl>
+                                          <p:spTgt spid="6">
+                                            <p:txEl>
+                                              <p:pRg st="1" end="1"/>
+                                            </p:txEl>
+                                          </p:spTgt>
+                                        </p:tgtEl>
+                                        <p:attrNameLst>
+                                          <p:attrName>style.visibility</p:attrName>
+                                        </p:attrNameLst>
+                                      </p:cBhvr>
+                                      <p:to>
+                                        <p:strVal val="visible"/>
+                                      </p:to>
+                                    </p:set>
+                                    <p:animEffect transition="in" filter="checkerboard(across)">
+                                      <p:cBhvr>
+                                        <p:cTn id="18" dur="500"/>
+                                        <p:tgtEl>
+                                          <p:spTgt spid="6">
+                                            <p:txEl>
+                                              <p:pRg st="1" end="1"/>
+                                            </p:txEl>
+                                          </p:spTgt>
+                                        </p:tgtEl>
+                                      </p:cBhvr>
+                                    </p:animEffect>
+                                  </p:childTnLst>
+                                </p:cTn>
+                              </p:par>
+                            </p:childTnLst>
+                          </p:cTn>
+                        </p:par>
+                      </p:childTnLst>
+                    </p:cTn>
+                  </p:par>
+                  <p:par>
+                    <p:cTn id="19" fill="hold">
+                      <p:stCondLst>
+                        <p:cond delay="indefinite"/>
+                      </p:stCondLst>
+                      <p:childTnLst>
+                        <p:par>
+                          <p:cTn id="20" fill="hold">
+                            <p:stCondLst>
+                              <p:cond delay="0"/>
+                            </p:stCondLst>
+                            <p:childTnLst>
+                              <p:par>
+                                <p:cTn id="21" presetID="53" presetClass="entr" presetSubtype="16" fill="hold" nodeType="clickEffect">
+                                  <p:stCondLst>
+                                    <p:cond delay="0"/>
+                                  </p:stCondLst>
+                                  <p:childTnLst>
+                                    <p:set>
+                                      <p:cBhvr>
+                                        <p:cTn id="22" dur="1" fill="hold">
+                                          <p:stCondLst>
+                                            <p:cond delay="0"/>
+                                          </p:stCondLst>
+                                        </p:cTn>
+                                        <p:tgtEl>
+                                          <p:spTgt spid="4"/>
+                                        </p:tgtEl>
+                                        <p:attrNameLst>
+                                          <p:attrName>style.visibility</p:attrName>
+                                        </p:attrNameLst>
+                                      </p:cBhvr>
+                                      <p:to>
+                                        <p:strVal val="visible"/>
+                                      </p:to>
+                                    </p:set>
+                                    <p:anim calcmode="lin" valueType="num">
+                                      <p:cBhvr>
+                                        <p:cTn id="23" dur="500" fill="hold"/>
+                                        <p:tgtEl>
+                                          <p:spTgt spid="4"/>
+                                        </p:tgtEl>
+                                        <p:attrNameLst>
+                                          <p:attrName>ppt_w</p:attrName>
+                                        </p:attrNameLst>
+                                      </p:cBhvr>
+                                      <p:tavLst>
+                                        <p:tav tm="0">
+                                          <p:val>
+                                            <p:fltVal val="0"/>
+                                          </p:val>
+                                        </p:tav>
+                                        <p:tav tm="100000">
+                                          <p:val>
+                                            <p:strVal val="#ppt_w"/>
+                                          </p:val>
+                                        </p:tav>
+                                      </p:tavLst>
+                                    </p:anim>
+                                    <p:anim calcmode="lin" valueType="num">
+                                      <p:cBhvr>
+                                        <p:cTn id="24" dur="500" fill="hold"/>
+                                        <p:tgtEl>
+                                          <p:spTgt spid="4"/>
+                                        </p:tgtEl>
+                                        <p:attrNameLst>
+                                          <p:attrName>ppt_h</p:attrName>
+                                        </p:attrNameLst>
+                                      </p:cBhvr>
+                                      <p:tavLst>
+                                        <p:tav tm="0">
+                                          <p:val>
+                                            <p:fltVal val="0"/>
+                                          </p:val>
+                                        </p:tav>
+                                        <p:tav tm="100000">
+                                          <p:val>
+                                            <p:strVal val="#ppt_h"/>
+                                          </p:val>
+                                        </p:tav>
+                                      </p:tavLst>
+                                    </p:anim>
+                                    <p:animEffect transition="in" filter="fade">
+                                      <p:cBhvr>
+                                        <p:cTn id="25" dur="500"/>
+                                        <p:tgtEl>
+                                          <p:spTgt spid="4"/>
+                                        </p:tgtEl>
+                                      </p:cBhvr>
+                                    </p:animEffect>
+                                  </p:childTnLst>
+                                </p:cTn>
+                              </p:par>
+                            </p:childTnLst>
+                          </p:cTn>
+                        </p:par>
+                      </p:childTnLst>
+                    </p:cTn>
+                  </p:par>
+                </p:childTnLst>
+              </p:cTn>
+              <p:prevCondLst>
+                <p:cond evt="onPrev" delay="0">
+                  <p:tgtEl>
+                    <p:sldTgt/>
+                  </p:tgtEl>
+                </p:cond>
+              </p:prevCondLst>
+              <p:nextCondLst>
+                <p:cond evt="onNext" delay="0">
+                  <p:tgtEl>
+                    <p:sldTgt/>
+                  </p:tgtEl>
+                </p:cond>
+              </p:nextCondLst>
+            </p:seq>
+          </p:childTnLst>
+        </p:cTn>
+      </p:par>
+    </p:tnLst>
+    <p:bldLst>
+      <p:bldP spid="2" grpId="0"/>
+    </p:bldLst>
+  </p:timing>
+</p:sld>
+</file>
+
+<file path=ppt/slides/slide11.xml><?xml version="1.0" encoding="utf-8"?>
+<p:sld xmlns:a="http://schemas.openxmlformats.org/drawingml/2006/main" xmlns:r="http://schemas.openxmlformats.org/officeDocument/2006/relationships" xmlns:p="http://schemas.openxmlformats.org/presentationml/2006/main">
+  <p:cSld>
+    <p:spTree>
+      <p:nvGrpSpPr>
+        <p:cNvPr id="1" name=""/>
+        <p:cNvGrpSpPr/>
+        <p:nvPr/>
+      </p:nvGrpSpPr>
+      <p:grpSpPr>
+        <a:xfrm>
+          <a:off x="0" y="0"/>
+          <a:ext cx="0" cy="0"/>
+          <a:chOff x="0" y="0"/>
+          <a:chExt cx="0" cy="0"/>
+        </a:xfrm>
+      </p:grpSpPr>
+      <p:sp>
+        <p:nvSpPr>
+          <p:cNvPr id="2" name="Title 1"/>
+          <p:cNvSpPr>
+            <a:spLocks noGrp="1"/>
+          </p:cNvSpPr>
+          <p:nvPr>
+            <p:ph type="title"/>
+          </p:nvPr>
+        </p:nvSpPr>
+        <p:spPr>
+          <a:xfrm>
             <a:off x="685800" y="699978"/>
             <a:ext cx="8610600" cy="1293028"/>
           </a:xfrm>
@@ -6369,7 +7056,7 @@
 </p:sld>
 </file>
 
-<file path=ppt/slides/slide11.xml><?xml version="1.0" encoding="utf-8"?>
+<file path=ppt/slides/slide12.xml><?xml version="1.0" encoding="utf-8"?>
 <p:sld xmlns:a="http://schemas.openxmlformats.org/drawingml/2006/main" xmlns:r="http://schemas.openxmlformats.org/officeDocument/2006/relationships" xmlns:p="http://schemas.openxmlformats.org/presentationml/2006/main">
   <p:cSld>
     <p:spTree>
@@ -6464,433 +7151,6 @@
     <p:extLst>
       <p:ext uri="{BB962C8B-B14F-4D97-AF65-F5344CB8AC3E}">
         <p14:creationId xmlns:p14="http://schemas.microsoft.com/office/powerpoint/2010/main" val="2261311638"/>
-      </p:ext>
-    </p:extLst>
-  </p:cSld>
-  <p:clrMapOvr>
-    <a:masterClrMapping/>
-  </p:clrMapOvr>
-  <p:timing>
-    <p:tnLst>
-      <p:par>
-        <p:cTn id="1" dur="indefinite" restart="never" nodeType="tmRoot">
-          <p:childTnLst>
-            <p:seq concurrent="1" nextAc="seek">
-              <p:cTn id="2" dur="indefinite" nodeType="mainSeq">
-                <p:childTnLst>
-                  <p:par>
-                    <p:cTn id="3" fill="hold">
-                      <p:stCondLst>
-                        <p:cond delay="indefinite"/>
-                      </p:stCondLst>
-                      <p:childTnLst>
-                        <p:par>
-                          <p:cTn id="4" fill="hold">
-                            <p:stCondLst>
-                              <p:cond delay="0"/>
-                            </p:stCondLst>
-                            <p:childTnLst>
-                              <p:par>
-                                <p:cTn id="5" presetID="2" presetClass="entr" presetSubtype="4" fill="hold" grpId="0" nodeType="clickEffect">
-                                  <p:stCondLst>
-                                    <p:cond delay="0"/>
-                                  </p:stCondLst>
-                                  <p:childTnLst>
-                                    <p:set>
-                                      <p:cBhvr>
-                                        <p:cTn id="6" dur="1" fill="hold">
-                                          <p:stCondLst>
-                                            <p:cond delay="0"/>
-                                          </p:stCondLst>
-                                        </p:cTn>
-                                        <p:tgtEl>
-                                          <p:spTgt spid="2"/>
-                                        </p:tgtEl>
-                                        <p:attrNameLst>
-                                          <p:attrName>style.visibility</p:attrName>
-                                        </p:attrNameLst>
-                                      </p:cBhvr>
-                                      <p:to>
-                                        <p:strVal val="visible"/>
-                                      </p:to>
-                                    </p:set>
-                                    <p:anim calcmode="lin" valueType="num">
-                                      <p:cBhvr additive="base">
-                                        <p:cTn id="7" dur="500" fill="hold"/>
-                                        <p:tgtEl>
-                                          <p:spTgt spid="2"/>
-                                        </p:tgtEl>
-                                        <p:attrNameLst>
-                                          <p:attrName>ppt_x</p:attrName>
-                                        </p:attrNameLst>
-                                      </p:cBhvr>
-                                      <p:tavLst>
-                                        <p:tav tm="0">
-                                          <p:val>
-                                            <p:strVal val="#ppt_x"/>
-                                          </p:val>
-                                        </p:tav>
-                                        <p:tav tm="100000">
-                                          <p:val>
-                                            <p:strVal val="#ppt_x"/>
-                                          </p:val>
-                                        </p:tav>
-                                      </p:tavLst>
-                                    </p:anim>
-                                    <p:anim calcmode="lin" valueType="num">
-                                      <p:cBhvr additive="base">
-                                        <p:cTn id="8" dur="500" fill="hold"/>
-                                        <p:tgtEl>
-                                          <p:spTgt spid="2"/>
-                                        </p:tgtEl>
-                                        <p:attrNameLst>
-                                          <p:attrName>ppt_y</p:attrName>
-                                        </p:attrNameLst>
-                                      </p:cBhvr>
-                                      <p:tavLst>
-                                        <p:tav tm="0">
-                                          <p:val>
-                                            <p:strVal val="1+#ppt_h/2"/>
-                                          </p:val>
-                                        </p:tav>
-                                        <p:tav tm="100000">
-                                          <p:val>
-                                            <p:strVal val="#ppt_y"/>
-                                          </p:val>
-                                        </p:tav>
-                                      </p:tavLst>
-                                    </p:anim>
-                                  </p:childTnLst>
-                                </p:cTn>
-                              </p:par>
-                            </p:childTnLst>
-                          </p:cTn>
-                        </p:par>
-                      </p:childTnLst>
-                    </p:cTn>
-                  </p:par>
-                  <p:par>
-                    <p:cTn id="9" fill="hold">
-                      <p:stCondLst>
-                        <p:cond delay="indefinite"/>
-                      </p:stCondLst>
-                      <p:childTnLst>
-                        <p:par>
-                          <p:cTn id="10" fill="hold">
-                            <p:stCondLst>
-                              <p:cond delay="0"/>
-                            </p:stCondLst>
-                            <p:childTnLst>
-                              <p:par>
-                                <p:cTn id="11" presetID="5" presetClass="entr" presetSubtype="10" fill="hold" nodeType="clickEffect">
-                                  <p:stCondLst>
-                                    <p:cond delay="0"/>
-                                  </p:stCondLst>
-                                  <p:childTnLst>
-                                    <p:set>
-                                      <p:cBhvr>
-                                        <p:cTn id="12" dur="1" fill="hold">
-                                          <p:stCondLst>
-                                            <p:cond delay="0"/>
-                                          </p:stCondLst>
-                                        </p:cTn>
-                                        <p:tgtEl>
-                                          <p:spTgt spid="3">
-                                            <p:txEl>
-                                              <p:pRg st="0" end="0"/>
-                                            </p:txEl>
-                                          </p:spTgt>
-                                        </p:tgtEl>
-                                        <p:attrNameLst>
-                                          <p:attrName>style.visibility</p:attrName>
-                                        </p:attrNameLst>
-                                      </p:cBhvr>
-                                      <p:to>
-                                        <p:strVal val="visible"/>
-                                      </p:to>
-                                    </p:set>
-                                    <p:animEffect transition="in" filter="checkerboard(across)">
-                                      <p:cBhvr>
-                                        <p:cTn id="13" dur="500"/>
-                                        <p:tgtEl>
-                                          <p:spTgt spid="3">
-                                            <p:txEl>
-                                              <p:pRg st="0" end="0"/>
-                                            </p:txEl>
-                                          </p:spTgt>
-                                        </p:tgtEl>
-                                      </p:cBhvr>
-                                    </p:animEffect>
-                                  </p:childTnLst>
-                                </p:cTn>
-                              </p:par>
-                            </p:childTnLst>
-                          </p:cTn>
-                        </p:par>
-                      </p:childTnLst>
-                    </p:cTn>
-                  </p:par>
-                  <p:par>
-                    <p:cTn id="14" fill="hold">
-                      <p:stCondLst>
-                        <p:cond delay="indefinite"/>
-                      </p:stCondLst>
-                      <p:childTnLst>
-                        <p:par>
-                          <p:cTn id="15" fill="hold">
-                            <p:stCondLst>
-                              <p:cond delay="0"/>
-                            </p:stCondLst>
-                            <p:childTnLst>
-                              <p:par>
-                                <p:cTn id="16" presetID="5" presetClass="entr" presetSubtype="10" fill="hold" nodeType="clickEffect">
-                                  <p:stCondLst>
-                                    <p:cond delay="0"/>
-                                  </p:stCondLst>
-                                  <p:childTnLst>
-                                    <p:set>
-                                      <p:cBhvr>
-                                        <p:cTn id="17" dur="1" fill="hold">
-                                          <p:stCondLst>
-                                            <p:cond delay="0"/>
-                                          </p:stCondLst>
-                                        </p:cTn>
-                                        <p:tgtEl>
-                                          <p:spTgt spid="3">
-                                            <p:txEl>
-                                              <p:pRg st="1" end="1"/>
-                                            </p:txEl>
-                                          </p:spTgt>
-                                        </p:tgtEl>
-                                        <p:attrNameLst>
-                                          <p:attrName>style.visibility</p:attrName>
-                                        </p:attrNameLst>
-                                      </p:cBhvr>
-                                      <p:to>
-                                        <p:strVal val="visible"/>
-                                      </p:to>
-                                    </p:set>
-                                    <p:animEffect transition="in" filter="checkerboard(across)">
-                                      <p:cBhvr>
-                                        <p:cTn id="18" dur="500"/>
-                                        <p:tgtEl>
-                                          <p:spTgt spid="3">
-                                            <p:txEl>
-                                              <p:pRg st="1" end="1"/>
-                                            </p:txEl>
-                                          </p:spTgt>
-                                        </p:tgtEl>
-                                      </p:cBhvr>
-                                    </p:animEffect>
-                                  </p:childTnLst>
-                                </p:cTn>
-                              </p:par>
-                            </p:childTnLst>
-                          </p:cTn>
-                        </p:par>
-                      </p:childTnLst>
-                    </p:cTn>
-                  </p:par>
-                  <p:par>
-                    <p:cTn id="19" fill="hold">
-                      <p:stCondLst>
-                        <p:cond delay="indefinite"/>
-                      </p:stCondLst>
-                      <p:childTnLst>
-                        <p:par>
-                          <p:cTn id="20" fill="hold">
-                            <p:stCondLst>
-                              <p:cond delay="0"/>
-                            </p:stCondLst>
-                            <p:childTnLst>
-                              <p:par>
-                                <p:cTn id="21" presetID="5" presetClass="entr" presetSubtype="10" fill="hold" nodeType="clickEffect">
-                                  <p:stCondLst>
-                                    <p:cond delay="0"/>
-                                  </p:stCondLst>
-                                  <p:childTnLst>
-                                    <p:set>
-                                      <p:cBhvr>
-                                        <p:cTn id="22" dur="1" fill="hold">
-                                          <p:stCondLst>
-                                            <p:cond delay="0"/>
-                                          </p:stCondLst>
-                                        </p:cTn>
-                                        <p:tgtEl>
-                                          <p:spTgt spid="3">
-                                            <p:txEl>
-                                              <p:pRg st="2" end="2"/>
-                                            </p:txEl>
-                                          </p:spTgt>
-                                        </p:tgtEl>
-                                        <p:attrNameLst>
-                                          <p:attrName>style.visibility</p:attrName>
-                                        </p:attrNameLst>
-                                      </p:cBhvr>
-                                      <p:to>
-                                        <p:strVal val="visible"/>
-                                      </p:to>
-                                    </p:set>
-                                    <p:animEffect transition="in" filter="checkerboard(across)">
-                                      <p:cBhvr>
-                                        <p:cTn id="23" dur="500"/>
-                                        <p:tgtEl>
-                                          <p:spTgt spid="3">
-                                            <p:txEl>
-                                              <p:pRg st="2" end="2"/>
-                                            </p:txEl>
-                                          </p:spTgt>
-                                        </p:tgtEl>
-                                      </p:cBhvr>
-                                    </p:animEffect>
-                                  </p:childTnLst>
-                                </p:cTn>
-                              </p:par>
-                            </p:childTnLst>
-                          </p:cTn>
-                        </p:par>
-                      </p:childTnLst>
-                    </p:cTn>
-                  </p:par>
-                </p:childTnLst>
-              </p:cTn>
-              <p:prevCondLst>
-                <p:cond evt="onPrev" delay="0">
-                  <p:tgtEl>
-                    <p:sldTgt/>
-                  </p:tgtEl>
-                </p:cond>
-              </p:prevCondLst>
-              <p:nextCondLst>
-                <p:cond evt="onNext" delay="0">
-                  <p:tgtEl>
-                    <p:sldTgt/>
-                  </p:tgtEl>
-                </p:cond>
-              </p:nextCondLst>
-            </p:seq>
-          </p:childTnLst>
-        </p:cTn>
-      </p:par>
-    </p:tnLst>
-    <p:bldLst>
-      <p:bldP spid="2" grpId="0"/>
-    </p:bldLst>
-  </p:timing>
-</p:sld>
-</file>
-
-<file path=ppt/slides/slide12.xml><?xml version="1.0" encoding="utf-8"?>
-<p:sld xmlns:a="http://schemas.openxmlformats.org/drawingml/2006/main" xmlns:r="http://schemas.openxmlformats.org/officeDocument/2006/relationships" xmlns:p="http://schemas.openxmlformats.org/presentationml/2006/main">
-  <p:cSld>
-    <p:spTree>
-      <p:nvGrpSpPr>
-        <p:cNvPr id="1" name=""/>
-        <p:cNvGrpSpPr/>
-        <p:nvPr/>
-      </p:nvGrpSpPr>
-      <p:grpSpPr>
-        <a:xfrm>
-          <a:off x="0" y="0"/>
-          <a:ext cx="0" cy="0"/>
-          <a:chOff x="0" y="0"/>
-          <a:chExt cx="0" cy="0"/>
-        </a:xfrm>
-      </p:grpSpPr>
-      <p:sp>
-        <p:nvSpPr>
-          <p:cNvPr id="2" name="Title 1"/>
-          <p:cNvSpPr>
-            <a:spLocks noGrp="1"/>
-          </p:cNvSpPr>
-          <p:nvPr>
-            <p:ph type="title"/>
-          </p:nvPr>
-        </p:nvSpPr>
-        <p:spPr>
-          <a:xfrm>
-            <a:off x="685800" y="712857"/>
-            <a:ext cx="8610600" cy="1293028"/>
-          </a:xfrm>
-        </p:spPr>
-        <p:txBody>
-          <a:bodyPr/>
-          <a:lstStyle/>
-          <a:p>
-            <a:pPr algn="l"/>
-            <a:r>
-              <a:rPr lang="en-GB" dirty="0" smtClean="0"/>
-              <a:t>Bot Body</a:t>
-            </a:r>
-            <a:endParaRPr lang="en-GB" dirty="0"/>
-          </a:p>
-        </p:txBody>
-      </p:sp>
-      <p:sp>
-        <p:nvSpPr>
-          <p:cNvPr id="3" name="Content Placeholder 2"/>
-          <p:cNvSpPr>
-            <a:spLocks noGrp="1"/>
-          </p:cNvSpPr>
-          <p:nvPr>
-            <p:ph idx="1"/>
-          </p:nvPr>
-        </p:nvSpPr>
-        <p:spPr/>
-        <p:txBody>
-          <a:bodyPr>
-            <a:normAutofit/>
-          </a:bodyPr>
-          <a:lstStyle/>
-          <a:p>
-            <a:r>
-              <a:rPr lang="en-GB" sz="3200" dirty="0" smtClean="0"/>
-              <a:t>Layout of the bot is made using </a:t>
-            </a:r>
-            <a:r>
-              <a:rPr lang="en-GB" sz="3200" dirty="0" err="1" smtClean="0"/>
-              <a:t>tkinter</a:t>
-            </a:r>
-            <a:r>
-              <a:rPr lang="en-GB" sz="3200" dirty="0" smtClean="0"/>
-              <a:t> module in Python.</a:t>
-            </a:r>
-          </a:p>
-          <a:p>
-            <a:r>
-              <a:rPr lang="en-GB" sz="3200" dirty="0" smtClean="0"/>
-              <a:t>In </a:t>
-            </a:r>
-            <a:r>
-              <a:rPr lang="en-GB" sz="3200" dirty="0" err="1" smtClean="0"/>
-              <a:t>tkinter</a:t>
-            </a:r>
-            <a:r>
-              <a:rPr lang="en-GB" sz="3200" dirty="0" smtClean="0"/>
-              <a:t> all the instances are </a:t>
-            </a:r>
-            <a:r>
-              <a:rPr lang="en-GB" sz="3200" dirty="0" err="1" smtClean="0"/>
-              <a:t>precalled</a:t>
-            </a:r>
-            <a:r>
-              <a:rPr lang="en-GB" sz="3200" dirty="0" smtClean="0"/>
-              <a:t> in loop till all the process is completed.</a:t>
-            </a:r>
-          </a:p>
-          <a:p>
-            <a:r>
-              <a:rPr lang="en-GB" sz="3200" dirty="0" smtClean="0"/>
-              <a:t>So the it will visible to user.</a:t>
-            </a:r>
-            <a:endParaRPr lang="en-GB" sz="3200" dirty="0"/>
-          </a:p>
-        </p:txBody>
-      </p:sp>
-    </p:spTree>
-    <p:extLst>
-      <p:ext uri="{BB962C8B-B14F-4D97-AF65-F5344CB8AC3E}">
-        <p14:creationId xmlns:p14="http://schemas.microsoft.com/office/powerpoint/2010/main" val="3117172828"/>
       </p:ext>
     </p:extLst>
   </p:cSld>
@@ -7236,7 +7496,7 @@
         </p:nvSpPr>
         <p:spPr>
           <a:xfrm>
-            <a:off x="685800" y="751494"/>
+            <a:off x="685800" y="712857"/>
             <a:ext cx="8610600" cy="1293028"/>
           </a:xfrm>
         </p:spPr>
@@ -7246,12 +7506,8 @@
           <a:p>
             <a:pPr algn="l"/>
             <a:r>
-              <a:rPr lang="en-GB" b="1" dirty="0" smtClean="0"/>
-              <a:t>Conclusion</a:t>
-            </a:r>
-            <a:r>
               <a:rPr lang="en-GB" dirty="0" smtClean="0"/>
-              <a:t>:</a:t>
+              <a:t>Bot Body</a:t>
             </a:r>
             <a:endParaRPr lang="en-GB" dirty="0"/>
           </a:p>
@@ -7275,43 +7531,53 @@
           <a:lstStyle/>
           <a:p>
             <a:r>
-              <a:rPr lang="en-GB" sz="2800" dirty="0" smtClean="0"/>
-              <a:t>By combining the power of Python, Pillow, pywin32 this bot is made.</a:t>
-            </a:r>
-          </a:p>
-          <a:p>
-            <a:r>
-              <a:rPr lang="en-GB" sz="2800" dirty="0" smtClean="0"/>
-              <a:t>It will run on </a:t>
-            </a:r>
-            <a:r>
-              <a:rPr lang="en-GB" sz="2800" dirty="0" err="1" smtClean="0"/>
-              <a:t>Flitz-color</a:t>
-            </a:r>
-            <a:r>
-              <a:rPr lang="en-GB" sz="2800" dirty="0" smtClean="0"/>
-              <a:t> of web game.</a:t>
-            </a:r>
-          </a:p>
-          <a:p>
-            <a:r>
-              <a:rPr lang="en-GB" sz="2800" dirty="0" smtClean="0"/>
-              <a:t>It will automated the scoring of the game.</a:t>
-            </a:r>
-          </a:p>
-          <a:p>
-            <a:r>
-              <a:rPr lang="en-GB" sz="2800" dirty="0" smtClean="0"/>
-              <a:t>To check the feasibility. </a:t>
-            </a:r>
-            <a:endParaRPr lang="en-GB" sz="2800" dirty="0"/>
+              <a:rPr lang="en-GB" sz="3200" dirty="0" smtClean="0"/>
+              <a:t>Layout of the bot is made using </a:t>
+            </a:r>
+            <a:r>
+              <a:rPr lang="en-GB" sz="3200" dirty="0" err="1" smtClean="0"/>
+              <a:t>tkinter</a:t>
+            </a:r>
+            <a:r>
+              <a:rPr lang="en-GB" sz="3200" dirty="0" smtClean="0"/>
+              <a:t> module in Python.</a:t>
+            </a:r>
+          </a:p>
+          <a:p>
+            <a:r>
+              <a:rPr lang="en-GB" sz="3200" dirty="0" smtClean="0"/>
+              <a:t>In </a:t>
+            </a:r>
+            <a:r>
+              <a:rPr lang="en-GB" sz="3200" dirty="0" err="1" smtClean="0"/>
+              <a:t>tkinter</a:t>
+            </a:r>
+            <a:r>
+              <a:rPr lang="en-GB" sz="3200" dirty="0" smtClean="0"/>
+              <a:t> all the instances are </a:t>
+            </a:r>
+            <a:r>
+              <a:rPr lang="en-GB" sz="3200" dirty="0" err="1" smtClean="0"/>
+              <a:t>precalled</a:t>
+            </a:r>
+            <a:r>
+              <a:rPr lang="en-GB" sz="3200" dirty="0" smtClean="0"/>
+              <a:t> in loop till all the process is completed.</a:t>
+            </a:r>
+          </a:p>
+          <a:p>
+            <a:r>
+              <a:rPr lang="en-GB" sz="3200" dirty="0" smtClean="0"/>
+              <a:t>So the it will visible to user.</a:t>
+            </a:r>
+            <a:endParaRPr lang="en-GB" sz="3200" dirty="0"/>
           </a:p>
         </p:txBody>
       </p:sp>
     </p:spTree>
     <p:extLst>
       <p:ext uri="{BB962C8B-B14F-4D97-AF65-F5344CB8AC3E}">
-        <p14:creationId xmlns:p14="http://schemas.microsoft.com/office/powerpoint/2010/main" val="317611138"/>
+        <p14:creationId xmlns:p14="http://schemas.microsoft.com/office/powerpoint/2010/main" val="3117172828"/>
       </p:ext>
     </p:extLst>
   </p:cSld>
@@ -7586,67 +7852,6 @@
                                           <p:spTgt spid="3">
                                             <p:txEl>
                                               <p:pRg st="2" end="2"/>
-                                            </p:txEl>
-                                          </p:spTgt>
-                                        </p:tgtEl>
-                                      </p:cBhvr>
-                                    </p:animEffect>
-                                  </p:childTnLst>
-                                </p:cTn>
-                              </p:par>
-                            </p:childTnLst>
-                          </p:cTn>
-                        </p:par>
-                      </p:childTnLst>
-                    </p:cTn>
-                  </p:par>
-                  <p:par>
-                    <p:cTn id="24" fill="hold">
-                      <p:stCondLst>
-                        <p:cond delay="indefinite"/>
-                      </p:stCondLst>
-                      <p:childTnLst>
-                        <p:par>
-                          <p:cTn id="25" fill="hold">
-                            <p:stCondLst>
-                              <p:cond delay="0"/>
-                            </p:stCondLst>
-                            <p:childTnLst>
-                              <p:par>
-                                <p:cTn id="26" presetID="5" presetClass="entr" presetSubtype="10" fill="hold" nodeType="clickEffect">
-                                  <p:stCondLst>
-                                    <p:cond delay="0"/>
-                                  </p:stCondLst>
-                                  <p:childTnLst>
-                                    <p:set>
-                                      <p:cBhvr>
-                                        <p:cTn id="27" dur="1" fill="hold">
-                                          <p:stCondLst>
-                                            <p:cond delay="0"/>
-                                          </p:stCondLst>
-                                        </p:cTn>
-                                        <p:tgtEl>
-                                          <p:spTgt spid="3">
-                                            <p:txEl>
-                                              <p:pRg st="3" end="3"/>
-                                            </p:txEl>
-                                          </p:spTgt>
-                                        </p:tgtEl>
-                                        <p:attrNameLst>
-                                          <p:attrName>style.visibility</p:attrName>
-                                        </p:attrNameLst>
-                                      </p:cBhvr>
-                                      <p:to>
-                                        <p:strVal val="visible"/>
-                                      </p:to>
-                                    </p:set>
-                                    <p:animEffect transition="in" filter="checkerboard(across)">
-                                      <p:cBhvr>
-                                        <p:cTn id="28" dur="500"/>
-                                        <p:tgtEl>
-                                          <p:spTgt spid="3">
-                                            <p:txEl>
-                                              <p:pRg st="3" end="3"/>
                                             </p:txEl>
                                           </p:spTgt>
                                         </p:tgtEl>
@@ -7718,6 +7923,488 @@
         </p:nvSpPr>
         <p:spPr>
           <a:xfrm>
+            <a:off x="685800" y="751494"/>
+            <a:ext cx="8610600" cy="1293028"/>
+          </a:xfrm>
+        </p:spPr>
+        <p:txBody>
+          <a:bodyPr/>
+          <a:lstStyle/>
+          <a:p>
+            <a:pPr algn="l"/>
+            <a:r>
+              <a:rPr lang="en-GB" b="1" dirty="0" smtClean="0"/>
+              <a:t>Conclusion</a:t>
+            </a:r>
+            <a:r>
+              <a:rPr lang="en-GB" dirty="0" smtClean="0"/>
+              <a:t>:</a:t>
+            </a:r>
+            <a:endParaRPr lang="en-GB" dirty="0"/>
+          </a:p>
+        </p:txBody>
+      </p:sp>
+      <p:sp>
+        <p:nvSpPr>
+          <p:cNvPr id="3" name="Content Placeholder 2"/>
+          <p:cNvSpPr>
+            <a:spLocks noGrp="1"/>
+          </p:cNvSpPr>
+          <p:nvPr>
+            <p:ph idx="1"/>
+          </p:nvPr>
+        </p:nvSpPr>
+        <p:spPr/>
+        <p:txBody>
+          <a:bodyPr>
+            <a:normAutofit/>
+          </a:bodyPr>
+          <a:lstStyle/>
+          <a:p>
+            <a:r>
+              <a:rPr lang="en-GB" sz="2800" dirty="0" smtClean="0"/>
+              <a:t>By combining the power of Python, Pillow, pywin32 this bot is made.</a:t>
+            </a:r>
+          </a:p>
+          <a:p>
+            <a:r>
+              <a:rPr lang="en-GB" sz="2800" dirty="0" smtClean="0"/>
+              <a:t>It will run on </a:t>
+            </a:r>
+            <a:r>
+              <a:rPr lang="en-GB" sz="2800" dirty="0" err="1" smtClean="0"/>
+              <a:t>Flitz-color</a:t>
+            </a:r>
+            <a:r>
+              <a:rPr lang="en-GB" sz="2800" dirty="0" smtClean="0"/>
+              <a:t> of web game.</a:t>
+            </a:r>
+          </a:p>
+          <a:p>
+            <a:r>
+              <a:rPr lang="en-GB" sz="2800" dirty="0" smtClean="0"/>
+              <a:t>It will automated the scoring of the game.</a:t>
+            </a:r>
+          </a:p>
+          <a:p>
+            <a:r>
+              <a:rPr lang="en-GB" sz="2800" dirty="0" smtClean="0"/>
+              <a:t>To check the feasibility. </a:t>
+            </a:r>
+            <a:endParaRPr lang="en-GB" sz="2800" dirty="0"/>
+          </a:p>
+        </p:txBody>
+      </p:sp>
+    </p:spTree>
+    <p:extLst>
+      <p:ext uri="{BB962C8B-B14F-4D97-AF65-F5344CB8AC3E}">
+        <p14:creationId xmlns:p14="http://schemas.microsoft.com/office/powerpoint/2010/main" val="317611138"/>
+      </p:ext>
+    </p:extLst>
+  </p:cSld>
+  <p:clrMapOvr>
+    <a:masterClrMapping/>
+  </p:clrMapOvr>
+  <p:timing>
+    <p:tnLst>
+      <p:par>
+        <p:cTn id="1" dur="indefinite" restart="never" nodeType="tmRoot">
+          <p:childTnLst>
+            <p:seq concurrent="1" nextAc="seek">
+              <p:cTn id="2" dur="indefinite" nodeType="mainSeq">
+                <p:childTnLst>
+                  <p:par>
+                    <p:cTn id="3" fill="hold">
+                      <p:stCondLst>
+                        <p:cond delay="indefinite"/>
+                      </p:stCondLst>
+                      <p:childTnLst>
+                        <p:par>
+                          <p:cTn id="4" fill="hold">
+                            <p:stCondLst>
+                              <p:cond delay="0"/>
+                            </p:stCondLst>
+                            <p:childTnLst>
+                              <p:par>
+                                <p:cTn id="5" presetID="2" presetClass="entr" presetSubtype="4" fill="hold" grpId="0" nodeType="clickEffect">
+                                  <p:stCondLst>
+                                    <p:cond delay="0"/>
+                                  </p:stCondLst>
+                                  <p:childTnLst>
+                                    <p:set>
+                                      <p:cBhvr>
+                                        <p:cTn id="6" dur="1" fill="hold">
+                                          <p:stCondLst>
+                                            <p:cond delay="0"/>
+                                          </p:stCondLst>
+                                        </p:cTn>
+                                        <p:tgtEl>
+                                          <p:spTgt spid="2"/>
+                                        </p:tgtEl>
+                                        <p:attrNameLst>
+                                          <p:attrName>style.visibility</p:attrName>
+                                        </p:attrNameLst>
+                                      </p:cBhvr>
+                                      <p:to>
+                                        <p:strVal val="visible"/>
+                                      </p:to>
+                                    </p:set>
+                                    <p:anim calcmode="lin" valueType="num">
+                                      <p:cBhvr additive="base">
+                                        <p:cTn id="7" dur="500" fill="hold"/>
+                                        <p:tgtEl>
+                                          <p:spTgt spid="2"/>
+                                        </p:tgtEl>
+                                        <p:attrNameLst>
+                                          <p:attrName>ppt_x</p:attrName>
+                                        </p:attrNameLst>
+                                      </p:cBhvr>
+                                      <p:tavLst>
+                                        <p:tav tm="0">
+                                          <p:val>
+                                            <p:strVal val="#ppt_x"/>
+                                          </p:val>
+                                        </p:tav>
+                                        <p:tav tm="100000">
+                                          <p:val>
+                                            <p:strVal val="#ppt_x"/>
+                                          </p:val>
+                                        </p:tav>
+                                      </p:tavLst>
+                                    </p:anim>
+                                    <p:anim calcmode="lin" valueType="num">
+                                      <p:cBhvr additive="base">
+                                        <p:cTn id="8" dur="500" fill="hold"/>
+                                        <p:tgtEl>
+                                          <p:spTgt spid="2"/>
+                                        </p:tgtEl>
+                                        <p:attrNameLst>
+                                          <p:attrName>ppt_y</p:attrName>
+                                        </p:attrNameLst>
+                                      </p:cBhvr>
+                                      <p:tavLst>
+                                        <p:tav tm="0">
+                                          <p:val>
+                                            <p:strVal val="1+#ppt_h/2"/>
+                                          </p:val>
+                                        </p:tav>
+                                        <p:tav tm="100000">
+                                          <p:val>
+                                            <p:strVal val="#ppt_y"/>
+                                          </p:val>
+                                        </p:tav>
+                                      </p:tavLst>
+                                    </p:anim>
+                                  </p:childTnLst>
+                                </p:cTn>
+                              </p:par>
+                            </p:childTnLst>
+                          </p:cTn>
+                        </p:par>
+                      </p:childTnLst>
+                    </p:cTn>
+                  </p:par>
+                  <p:par>
+                    <p:cTn id="9" fill="hold">
+                      <p:stCondLst>
+                        <p:cond delay="indefinite"/>
+                      </p:stCondLst>
+                      <p:childTnLst>
+                        <p:par>
+                          <p:cTn id="10" fill="hold">
+                            <p:stCondLst>
+                              <p:cond delay="0"/>
+                            </p:stCondLst>
+                            <p:childTnLst>
+                              <p:par>
+                                <p:cTn id="11" presetID="5" presetClass="entr" presetSubtype="10" fill="hold" nodeType="clickEffect">
+                                  <p:stCondLst>
+                                    <p:cond delay="0"/>
+                                  </p:stCondLst>
+                                  <p:childTnLst>
+                                    <p:set>
+                                      <p:cBhvr>
+                                        <p:cTn id="12" dur="1" fill="hold">
+                                          <p:stCondLst>
+                                            <p:cond delay="0"/>
+                                          </p:stCondLst>
+                                        </p:cTn>
+                                        <p:tgtEl>
+                                          <p:spTgt spid="3">
+                                            <p:txEl>
+                                              <p:pRg st="0" end="0"/>
+                                            </p:txEl>
+                                          </p:spTgt>
+                                        </p:tgtEl>
+                                        <p:attrNameLst>
+                                          <p:attrName>style.visibility</p:attrName>
+                                        </p:attrNameLst>
+                                      </p:cBhvr>
+                                      <p:to>
+                                        <p:strVal val="visible"/>
+                                      </p:to>
+                                    </p:set>
+                                    <p:animEffect transition="in" filter="checkerboard(across)">
+                                      <p:cBhvr>
+                                        <p:cTn id="13" dur="500"/>
+                                        <p:tgtEl>
+                                          <p:spTgt spid="3">
+                                            <p:txEl>
+                                              <p:pRg st="0" end="0"/>
+                                            </p:txEl>
+                                          </p:spTgt>
+                                        </p:tgtEl>
+                                      </p:cBhvr>
+                                    </p:animEffect>
+                                  </p:childTnLst>
+                                </p:cTn>
+                              </p:par>
+                            </p:childTnLst>
+                          </p:cTn>
+                        </p:par>
+                      </p:childTnLst>
+                    </p:cTn>
+                  </p:par>
+                  <p:par>
+                    <p:cTn id="14" fill="hold">
+                      <p:stCondLst>
+                        <p:cond delay="indefinite"/>
+                      </p:stCondLst>
+                      <p:childTnLst>
+                        <p:par>
+                          <p:cTn id="15" fill="hold">
+                            <p:stCondLst>
+                              <p:cond delay="0"/>
+                            </p:stCondLst>
+                            <p:childTnLst>
+                              <p:par>
+                                <p:cTn id="16" presetID="5" presetClass="entr" presetSubtype="10" fill="hold" nodeType="clickEffect">
+                                  <p:stCondLst>
+                                    <p:cond delay="0"/>
+                                  </p:stCondLst>
+                                  <p:childTnLst>
+                                    <p:set>
+                                      <p:cBhvr>
+                                        <p:cTn id="17" dur="1" fill="hold">
+                                          <p:stCondLst>
+                                            <p:cond delay="0"/>
+                                          </p:stCondLst>
+                                        </p:cTn>
+                                        <p:tgtEl>
+                                          <p:spTgt spid="3">
+                                            <p:txEl>
+                                              <p:pRg st="1" end="1"/>
+                                            </p:txEl>
+                                          </p:spTgt>
+                                        </p:tgtEl>
+                                        <p:attrNameLst>
+                                          <p:attrName>style.visibility</p:attrName>
+                                        </p:attrNameLst>
+                                      </p:cBhvr>
+                                      <p:to>
+                                        <p:strVal val="visible"/>
+                                      </p:to>
+                                    </p:set>
+                                    <p:animEffect transition="in" filter="checkerboard(across)">
+                                      <p:cBhvr>
+                                        <p:cTn id="18" dur="500"/>
+                                        <p:tgtEl>
+                                          <p:spTgt spid="3">
+                                            <p:txEl>
+                                              <p:pRg st="1" end="1"/>
+                                            </p:txEl>
+                                          </p:spTgt>
+                                        </p:tgtEl>
+                                      </p:cBhvr>
+                                    </p:animEffect>
+                                  </p:childTnLst>
+                                </p:cTn>
+                              </p:par>
+                            </p:childTnLst>
+                          </p:cTn>
+                        </p:par>
+                      </p:childTnLst>
+                    </p:cTn>
+                  </p:par>
+                  <p:par>
+                    <p:cTn id="19" fill="hold">
+                      <p:stCondLst>
+                        <p:cond delay="indefinite"/>
+                      </p:stCondLst>
+                      <p:childTnLst>
+                        <p:par>
+                          <p:cTn id="20" fill="hold">
+                            <p:stCondLst>
+                              <p:cond delay="0"/>
+                            </p:stCondLst>
+                            <p:childTnLst>
+                              <p:par>
+                                <p:cTn id="21" presetID="5" presetClass="entr" presetSubtype="10" fill="hold" nodeType="clickEffect">
+                                  <p:stCondLst>
+                                    <p:cond delay="0"/>
+                                  </p:stCondLst>
+                                  <p:childTnLst>
+                                    <p:set>
+                                      <p:cBhvr>
+                                        <p:cTn id="22" dur="1" fill="hold">
+                                          <p:stCondLst>
+                                            <p:cond delay="0"/>
+                                          </p:stCondLst>
+                                        </p:cTn>
+                                        <p:tgtEl>
+                                          <p:spTgt spid="3">
+                                            <p:txEl>
+                                              <p:pRg st="2" end="2"/>
+                                            </p:txEl>
+                                          </p:spTgt>
+                                        </p:tgtEl>
+                                        <p:attrNameLst>
+                                          <p:attrName>style.visibility</p:attrName>
+                                        </p:attrNameLst>
+                                      </p:cBhvr>
+                                      <p:to>
+                                        <p:strVal val="visible"/>
+                                      </p:to>
+                                    </p:set>
+                                    <p:animEffect transition="in" filter="checkerboard(across)">
+                                      <p:cBhvr>
+                                        <p:cTn id="23" dur="500"/>
+                                        <p:tgtEl>
+                                          <p:spTgt spid="3">
+                                            <p:txEl>
+                                              <p:pRg st="2" end="2"/>
+                                            </p:txEl>
+                                          </p:spTgt>
+                                        </p:tgtEl>
+                                      </p:cBhvr>
+                                    </p:animEffect>
+                                  </p:childTnLst>
+                                </p:cTn>
+                              </p:par>
+                            </p:childTnLst>
+                          </p:cTn>
+                        </p:par>
+                      </p:childTnLst>
+                    </p:cTn>
+                  </p:par>
+                  <p:par>
+                    <p:cTn id="24" fill="hold">
+                      <p:stCondLst>
+                        <p:cond delay="indefinite"/>
+                      </p:stCondLst>
+                      <p:childTnLst>
+                        <p:par>
+                          <p:cTn id="25" fill="hold">
+                            <p:stCondLst>
+                              <p:cond delay="0"/>
+                            </p:stCondLst>
+                            <p:childTnLst>
+                              <p:par>
+                                <p:cTn id="26" presetID="5" presetClass="entr" presetSubtype="10" fill="hold" nodeType="clickEffect">
+                                  <p:stCondLst>
+                                    <p:cond delay="0"/>
+                                  </p:stCondLst>
+                                  <p:childTnLst>
+                                    <p:set>
+                                      <p:cBhvr>
+                                        <p:cTn id="27" dur="1" fill="hold">
+                                          <p:stCondLst>
+                                            <p:cond delay="0"/>
+                                          </p:stCondLst>
+                                        </p:cTn>
+                                        <p:tgtEl>
+                                          <p:spTgt spid="3">
+                                            <p:txEl>
+                                              <p:pRg st="3" end="3"/>
+                                            </p:txEl>
+                                          </p:spTgt>
+                                        </p:tgtEl>
+                                        <p:attrNameLst>
+                                          <p:attrName>style.visibility</p:attrName>
+                                        </p:attrNameLst>
+                                      </p:cBhvr>
+                                      <p:to>
+                                        <p:strVal val="visible"/>
+                                      </p:to>
+                                    </p:set>
+                                    <p:animEffect transition="in" filter="checkerboard(across)">
+                                      <p:cBhvr>
+                                        <p:cTn id="28" dur="500"/>
+                                        <p:tgtEl>
+                                          <p:spTgt spid="3">
+                                            <p:txEl>
+                                              <p:pRg st="3" end="3"/>
+                                            </p:txEl>
+                                          </p:spTgt>
+                                        </p:tgtEl>
+                                      </p:cBhvr>
+                                    </p:animEffect>
+                                  </p:childTnLst>
+                                </p:cTn>
+                              </p:par>
+                            </p:childTnLst>
+                          </p:cTn>
+                        </p:par>
+                      </p:childTnLst>
+                    </p:cTn>
+                  </p:par>
+                </p:childTnLst>
+              </p:cTn>
+              <p:prevCondLst>
+                <p:cond evt="onPrev" delay="0">
+                  <p:tgtEl>
+                    <p:sldTgt/>
+                  </p:tgtEl>
+                </p:cond>
+              </p:prevCondLst>
+              <p:nextCondLst>
+                <p:cond evt="onNext" delay="0">
+                  <p:tgtEl>
+                    <p:sldTgt/>
+                  </p:tgtEl>
+                </p:cond>
+              </p:nextCondLst>
+            </p:seq>
+          </p:childTnLst>
+        </p:cTn>
+      </p:par>
+    </p:tnLst>
+    <p:bldLst>
+      <p:bldP spid="2" grpId="0"/>
+    </p:bldLst>
+  </p:timing>
+</p:sld>
+</file>
+
+<file path=ppt/slides/slide15.xml><?xml version="1.0" encoding="utf-8"?>
+<p:sld xmlns:a="http://schemas.openxmlformats.org/drawingml/2006/main" xmlns:r="http://schemas.openxmlformats.org/officeDocument/2006/relationships" xmlns:p="http://schemas.openxmlformats.org/presentationml/2006/main">
+  <p:cSld>
+    <p:spTree>
+      <p:nvGrpSpPr>
+        <p:cNvPr id="1" name=""/>
+        <p:cNvGrpSpPr/>
+        <p:nvPr/>
+      </p:nvGrpSpPr>
+      <p:grpSpPr>
+        <a:xfrm>
+          <a:off x="0" y="0"/>
+          <a:ext cx="0" cy="0"/>
+          <a:chOff x="0" y="0"/>
+          <a:chExt cx="0" cy="0"/>
+        </a:xfrm>
+      </p:grpSpPr>
+      <p:sp>
+        <p:nvSpPr>
+          <p:cNvPr id="2" name="Title 1"/>
+          <p:cNvSpPr>
+            <a:spLocks noGrp="1"/>
+          </p:cNvSpPr>
+          <p:nvPr>
+            <p:ph type="title"/>
+          </p:nvPr>
+        </p:nvSpPr>
+        <p:spPr>
+          <a:xfrm>
             <a:off x="685800" y="609827"/>
             <a:ext cx="8610600" cy="1293028"/>
           </a:xfrm>
@@ -7869,6 +8556,121 @@
                       </p:childTnLst>
                     </p:cTn>
                   </p:par>
+                  <p:par>
+                    <p:cTn id="9" fill="hold">
+                      <p:stCondLst>
+                        <p:cond delay="indefinite"/>
+                      </p:stCondLst>
+                      <p:childTnLst>
+                        <p:par>
+                          <p:cTn id="10" fill="hold">
+                            <p:stCondLst>
+                              <p:cond delay="0"/>
+                            </p:stCondLst>
+                            <p:childTnLst>
+                              <p:par>
+                                <p:cTn id="11" presetID="42" presetClass="entr" presetSubtype="0" fill="hold" nodeType="clickEffect">
+                                  <p:stCondLst>
+                                    <p:cond delay="0"/>
+                                  </p:stCondLst>
+                                  <p:childTnLst>
+                                    <p:set>
+                                      <p:cBhvr>
+                                        <p:cTn id="12" dur="1" fill="hold">
+                                          <p:stCondLst>
+                                            <p:cond delay="0"/>
+                                          </p:stCondLst>
+                                        </p:cTn>
+                                        <p:tgtEl>
+                                          <p:spTgt spid="3">
+                                            <p:txEl>
+                                              <p:pRg st="0" end="0"/>
+                                            </p:txEl>
+                                          </p:spTgt>
+                                        </p:tgtEl>
+                                        <p:attrNameLst>
+                                          <p:attrName>style.visibility</p:attrName>
+                                        </p:attrNameLst>
+                                      </p:cBhvr>
+                                      <p:to>
+                                        <p:strVal val="visible"/>
+                                      </p:to>
+                                    </p:set>
+                                    <p:animEffect transition="in" filter="fade">
+                                      <p:cBhvr>
+                                        <p:cTn id="13" dur="1000"/>
+                                        <p:tgtEl>
+                                          <p:spTgt spid="3">
+                                            <p:txEl>
+                                              <p:pRg st="0" end="0"/>
+                                            </p:txEl>
+                                          </p:spTgt>
+                                        </p:tgtEl>
+                                      </p:cBhvr>
+                                    </p:animEffect>
+                                    <p:anim calcmode="lin" valueType="num">
+                                      <p:cBhvr>
+                                        <p:cTn id="14" dur="1000" fill="hold"/>
+                                        <p:tgtEl>
+                                          <p:spTgt spid="3">
+                                            <p:txEl>
+                                              <p:pRg st="0" end="0"/>
+                                            </p:txEl>
+                                          </p:spTgt>
+                                        </p:tgtEl>
+                                        <p:attrNameLst>
+                                          <p:attrName>ppt_x</p:attrName>
+                                        </p:attrNameLst>
+                                      </p:cBhvr>
+                                      <p:tavLst>
+                                        <p:tav tm="0">
+                                          <p:val>
+                                            <p:strVal val="#ppt_x"/>
+                                          </p:val>
+                                        </p:tav>
+                                        <p:tav tm="100000">
+                                          <p:val>
+                                            <p:strVal val="#ppt_x"/>
+                                          </p:val>
+                                        </p:tav>
+                                      </p:tavLst>
+                                    </p:anim>
+                                    <p:anim calcmode="lin" valueType="num">
+                                      <p:cBhvr>
+                                        <p:cTn id="15" dur="1000" fill="hold"/>
+                                        <p:tgtEl>
+                                          <p:spTgt spid="3">
+                                            <p:txEl>
+                                              <p:pRg st="0" end="0"/>
+                                            </p:txEl>
+                                          </p:spTgt>
+                                        </p:tgtEl>
+                                        <p:attrNameLst>
+                                          <p:attrName>ppt_y</p:attrName>
+                                        </p:attrNameLst>
+                                      </p:cBhvr>
+                                      <p:tavLst>
+                                        <p:tav tm="0">
+                                          <p:val>
+                                            <p:strVal val="#ppt_y+.1"/>
+                                          </p:val>
+                                        </p:tav>
+                                        <p:tav tm="100000">
+                                          <p:val>
+                                            <p:strVal val="#ppt_y"/>
+                                          </p:val>
+                                        </p:tav>
+                                      </p:tavLst>
+                                    </p:anim>
+                                  </p:childTnLst>
+                                </p:cTn>
+                              </p:par>
+                            </p:childTnLst>
+                          </p:cTn>
+                        </p:par>
+                      </p:childTnLst>
+                    </p:cTn>
+                  </p:par>
                 </p:childTnLst>
               </p:cTn>
               <p:prevCondLst>
@@ -7893,6 +8695,160 @@
     <p:bldLst>
       <p:bldP spid="2" grpId="0"/>
     </p:bldLst>
+  </p:timing>
+</p:sld>
+</file>
+
+<file path=ppt/slides/slide16.xml><?xml version="1.0" encoding="utf-8"?>
+<p:sld xmlns:a="http://schemas.openxmlformats.org/drawingml/2006/main" xmlns:r="http://schemas.openxmlformats.org/officeDocument/2006/relationships" xmlns:p="http://schemas.openxmlformats.org/presentationml/2006/main">
+  <p:cSld>
+    <p:spTree>
+      <p:nvGrpSpPr>
+        <p:cNvPr id="1" name=""/>
+        <p:cNvGrpSpPr/>
+        <p:nvPr/>
+      </p:nvGrpSpPr>
+      <p:grpSpPr>
+        <a:xfrm>
+          <a:off x="0" y="0"/>
+          <a:ext cx="0" cy="0"/>
+          <a:chOff x="0" y="0"/>
+          <a:chExt cx="0" cy="0"/>
+        </a:xfrm>
+      </p:grpSpPr>
+      <p:sp>
+        <p:nvSpPr>
+          <p:cNvPr id="3" name="Content Placeholder 2"/>
+          <p:cNvSpPr>
+            <a:spLocks noGrp="1"/>
+          </p:cNvSpPr>
+          <p:nvPr>
+            <p:ph idx="1"/>
+          </p:nvPr>
+        </p:nvSpPr>
+        <p:spPr>
+          <a:xfrm>
+            <a:off x="2475963" y="2766262"/>
+            <a:ext cx="10820400" cy="4024125"/>
+          </a:xfrm>
+        </p:spPr>
+        <p:txBody>
+          <a:bodyPr>
+            <a:normAutofit/>
+          </a:bodyPr>
+          <a:lstStyle/>
+          <a:p>
+            <a:pPr marL="0" indent="0">
+              <a:buNone/>
+            </a:pPr>
+            <a:r>
+              <a:rPr lang="en-GB" sz="9600" dirty="0" smtClean="0"/>
+              <a:t>THANK YOU</a:t>
+            </a:r>
+            <a:endParaRPr lang="en-GB" sz="9600" dirty="0"/>
+          </a:p>
+        </p:txBody>
+      </p:sp>
+    </p:spTree>
+    <p:extLst>
+      <p:ext uri="{BB962C8B-B14F-4D97-AF65-F5344CB8AC3E}">
+        <p14:creationId xmlns:p14="http://schemas.microsoft.com/office/powerpoint/2010/main" val="1272548443"/>
+      </p:ext>
+    </p:extLst>
+  </p:cSld>
+  <p:clrMapOvr>
+    <a:masterClrMapping/>
+  </p:clrMapOvr>
+  <p:timing>
+    <p:tnLst>
+      <p:par>
+        <p:cTn id="1" dur="indefinite" restart="never" nodeType="tmRoot">
+          <p:childTnLst>
+            <p:seq concurrent="1" nextAc="seek">
+              <p:cTn id="2" dur="indefinite" nodeType="mainSeq">
+                <p:childTnLst>
+                  <p:par>
+                    <p:cTn id="3" fill="hold">
+                      <p:stCondLst>
+                        <p:cond delay="indefinite"/>
+                      </p:stCondLst>
+                      <p:childTnLst>
+                        <p:par>
+                          <p:cTn id="4" fill="hold">
+                            <p:stCondLst>
+                              <p:cond delay="0"/>
+                            </p:stCondLst>
+                            <p:childTnLst>
+                              <p:par>
+                                <p:cTn id="5" presetID="16" presetClass="entr" presetSubtype="21" fill="hold" nodeType="clickEffect">
+                                  <p:stCondLst>
+                                    <p:cond delay="0"/>
+                                  </p:stCondLst>
+                                  <p:childTnLst>
+                                    <p:set>
+                                      <p:cBhvr>
+                                        <p:cTn id="6" dur="1" fill="hold">
+                                          <p:stCondLst>
+                                            <p:cond delay="0"/>
+                                          </p:stCondLst>
+                                        </p:cTn>
+                                        <p:tgtEl>
+                                          <p:spTgt spid="3">
+                                            <p:txEl>
+                                              <p:pRg st="0" end="0"/>
+                                            </p:txEl>
+                                          </p:spTgt>
+                                        </p:tgtEl>
+                                        <p:attrNameLst>
+                                          <p:attrName>style.visibility</p:attrName>
+                                        </p:attrNameLst>
+                                      </p:cBhvr>
+                                      <p:to>
+                                        <p:strVal val="visible"/>
+                                      </p:to>
+                                    </p:set>
+                                    <p:animEffect transition="in" filter="barn(inVertical)">
+                                      <p:cBhvr>
+                                        <p:cTn id="7" dur="500"/>
+                                        <p:tgtEl>
+                                          <p:spTgt spid="3">
+                                            <p:txEl>
+                                              <p:pRg st="0" end="0"/>
+                                            </p:txEl>
+                                          </p:spTgt>
+                                        </p:tgtEl>
+                                      </p:cBhvr>
+                                    </p:animEffect>
+                                  </p:childTnLst>
+                                </p:cTn>
+                              </p:par>
+                            </p:childTnLst>
+                          </p:cTn>
+                        </p:par>
+                      </p:childTnLst>
+                    </p:cTn>
+                  </p:par>
+                </p:childTnLst>
+              </p:cTn>
+              <p:prevCondLst>
+                <p:cond evt="onPrev" delay="0">
+                  <p:tgtEl>
+                    <p:sldTgt/>
+                  </p:tgtEl>
+                </p:cond>
+              </p:prevCondLst>
+              <p:nextCondLst>
+                <p:cond evt="onNext" delay="0">
+                  <p:tgtEl>
+                    <p:sldTgt/>
+                  </p:tgtEl>
+                </p:cond>
+              </p:nextCondLst>
+            </p:seq>
+          </p:childTnLst>
+        </p:cTn>
+      </p:par>
+    </p:tnLst>
   </p:timing>
 </p:sld>
 </file>
@@ -8980,11 +9936,11 @@
   <p:clrMapOvr>
     <a:masterClrMapping/>
   </p:clrMapOvr>
-  <mc:AlternateContent xmlns:mc="http://schemas.openxmlformats.org/markup-compatibility/2006">
-    <mc:Choice xmlns:p14="http://schemas.microsoft.com/office/powerpoint/2010/main" Requires="p14">
+  <mc:AlternateContent xmlns:mc="http://schemas.openxmlformats.org/markup-compatibility/2006" xmlns:p14="http://schemas.microsoft.com/office/powerpoint/2010/main">
+    <mc:Choice Requires="p14">
       <p:transition spd="slow" p14:dur="2000"/>
     </mc:Choice>
-    <mc:Fallback>
+    <mc:Fallback xmlns="">
       <p:transition spd="slow"/>
     </mc:Fallback>
   </mc:AlternateContent>
